--- a/doc/workshop/WS2-Ontologies.pptx
+++ b/doc/workshop/WS2-Ontologies.pptx
@@ -233,7 +233,8 @@
           <a:p>
             <a:fld id="{F9BFAC1A-EA80-4DB8-83E5-886E10AF8DDE}" type="datetimeFigureOut">
               <a:rPr lang="tr-TR" smtClean="0"/>
-              <a:t>04.02.2009</a:t>
+              <a:pPr/>
+              <a:t>05.02.2009</a:t>
             </a:fld>
             <a:endParaRPr lang="tr-TR"/>
           </a:p>
@@ -394,6 +395,7 @@
           <a:p>
             <a:fld id="{A57DB632-CE2F-4251-BA7D-C47F0CB02D9B}" type="slidenum">
               <a:rPr lang="tr-TR" smtClean="0"/>
+              <a:pPr/>
               <a:t>‹#›</a:t>
             </a:fld>
             <a:endParaRPr lang="tr-TR"/>
@@ -545,7 +547,7 @@
         <p:nvSpPr>
           <p:cNvPr id="124931" name="Rectangle 2"/>
           <p:cNvSpPr>
-            <a:spLocks noRot="1" noChangeArrowheads="1" noTextEdit="1"/>
+            <a:spLocks noGrp="1" noRot="1" noChangeAspect="1" noChangeArrowheads="1" noTextEdit="1"/>
           </p:cNvSpPr>
           <p:nvPr>
             <p:ph type="sldImg"/>
@@ -636,7 +638,7 @@
         <p:nvSpPr>
           <p:cNvPr id="134147" name="Rectangle 2"/>
           <p:cNvSpPr>
-            <a:spLocks noRot="1" noChangeArrowheads="1" noTextEdit="1"/>
+            <a:spLocks noGrp="1" noRot="1" noChangeAspect="1" noChangeArrowheads="1" noTextEdit="1"/>
           </p:cNvSpPr>
           <p:nvPr>
             <p:ph type="sldImg"/>
@@ -735,7 +737,7 @@
         <p:nvSpPr>
           <p:cNvPr id="135171" name="Rectangle 2"/>
           <p:cNvSpPr>
-            <a:spLocks noChangeArrowheads="1" noTextEdit="1"/>
+            <a:spLocks noGrp="1" noRot="1" noChangeAspect="1" noChangeArrowheads="1" noTextEdit="1"/>
           </p:cNvSpPr>
           <p:nvPr>
             <p:ph type="sldImg"/>
@@ -756,7 +758,7 @@
         <p:nvSpPr>
           <p:cNvPr id="135172" name="Rectangle 3"/>
           <p:cNvSpPr>
-            <a:spLocks noChangeArrowheads="1"/>
+            <a:spLocks noGrp="1" noChangeArrowheads="1"/>
           </p:cNvSpPr>
           <p:nvPr>
             <p:ph type="body" idx="1"/>
@@ -850,7 +852,7 @@
         <p:nvSpPr>
           <p:cNvPr id="136195" name="Rectangle 2"/>
           <p:cNvSpPr>
-            <a:spLocks noRot="1" noChangeArrowheads="1" noTextEdit="1"/>
+            <a:spLocks noGrp="1" noRot="1" noChangeAspect="1" noChangeArrowheads="1" noTextEdit="1"/>
           </p:cNvSpPr>
           <p:nvPr>
             <p:ph type="sldImg"/>
@@ -941,7 +943,7 @@
         <p:nvSpPr>
           <p:cNvPr id="137219" name="Rectangle 2"/>
           <p:cNvSpPr>
-            <a:spLocks noRot="1" noChangeArrowheads="1" noTextEdit="1"/>
+            <a:spLocks noGrp="1" noRot="1" noChangeAspect="1" noChangeArrowheads="1" noTextEdit="1"/>
           </p:cNvSpPr>
           <p:nvPr>
             <p:ph type="sldImg"/>
@@ -1032,7 +1034,7 @@
         <p:nvSpPr>
           <p:cNvPr id="138243" name="Rectangle 2"/>
           <p:cNvSpPr>
-            <a:spLocks noRot="1" noChangeArrowheads="1" noTextEdit="1"/>
+            <a:spLocks noGrp="1" noRot="1" noChangeAspect="1" noChangeArrowheads="1" noTextEdit="1"/>
           </p:cNvSpPr>
           <p:nvPr>
             <p:ph type="sldImg"/>
@@ -1123,7 +1125,7 @@
         <p:nvSpPr>
           <p:cNvPr id="139267" name="Rectangle 2"/>
           <p:cNvSpPr>
-            <a:spLocks noRot="1" noChangeArrowheads="1" noTextEdit="1"/>
+            <a:spLocks noGrp="1" noRot="1" noChangeAspect="1" noChangeArrowheads="1" noTextEdit="1"/>
           </p:cNvSpPr>
           <p:nvPr>
             <p:ph type="sldImg"/>
@@ -1214,7 +1216,7 @@
         <p:nvSpPr>
           <p:cNvPr id="140291" name="Rectangle 2"/>
           <p:cNvSpPr>
-            <a:spLocks noRot="1" noChangeArrowheads="1" noTextEdit="1"/>
+            <a:spLocks noGrp="1" noRot="1" noChangeAspect="1" noChangeArrowheads="1" noTextEdit="1"/>
           </p:cNvSpPr>
           <p:nvPr>
             <p:ph type="sldImg"/>
@@ -1305,7 +1307,7 @@
         <p:nvSpPr>
           <p:cNvPr id="141315" name="Rectangle 2"/>
           <p:cNvSpPr>
-            <a:spLocks noRot="1" noChangeArrowheads="1" noTextEdit="1"/>
+            <a:spLocks noGrp="1" noRot="1" noChangeAspect="1" noChangeArrowheads="1" noTextEdit="1"/>
           </p:cNvSpPr>
           <p:nvPr>
             <p:ph type="sldImg"/>
@@ -1796,7 +1798,7 @@
         <p:nvSpPr>
           <p:cNvPr id="142339" name="Rectangle 2"/>
           <p:cNvSpPr>
-            <a:spLocks noRot="1" noChangeArrowheads="1" noTextEdit="1"/>
+            <a:spLocks noGrp="1" noRot="1" noChangeAspect="1" noChangeArrowheads="1" noTextEdit="1"/>
           </p:cNvSpPr>
           <p:nvPr>
             <p:ph type="sldImg"/>
@@ -2287,7 +2289,7 @@
         <p:nvSpPr>
           <p:cNvPr id="143363" name="Rectangle 2"/>
           <p:cNvSpPr>
-            <a:spLocks noRot="1" noChangeArrowheads="1" noTextEdit="1"/>
+            <a:spLocks noGrp="1" noRot="1" noChangeAspect="1" noChangeArrowheads="1" noTextEdit="1"/>
           </p:cNvSpPr>
           <p:nvPr>
             <p:ph type="sldImg"/>
@@ -2778,7 +2780,7 @@
         <p:nvSpPr>
           <p:cNvPr id="125955" name="Rectangle 2"/>
           <p:cNvSpPr>
-            <a:spLocks noRot="1" noChangeArrowheads="1" noTextEdit="1"/>
+            <a:spLocks noGrp="1" noRot="1" noChangeAspect="1" noChangeArrowheads="1" noTextEdit="1"/>
           </p:cNvSpPr>
           <p:nvPr>
             <p:ph type="sldImg"/>
@@ -2880,7 +2882,7 @@
         <p:nvSpPr>
           <p:cNvPr id="144387" name="Rectangle 2"/>
           <p:cNvSpPr>
-            <a:spLocks noRot="1" noChangeArrowheads="1" noTextEdit="1"/>
+            <a:spLocks noGrp="1" noRot="1" noChangeAspect="1" noChangeArrowheads="1" noTextEdit="1"/>
           </p:cNvSpPr>
           <p:nvPr>
             <p:ph type="sldImg"/>
@@ -3371,7 +3373,7 @@
         <p:nvSpPr>
           <p:cNvPr id="145411" name="Rectangle 2"/>
           <p:cNvSpPr>
-            <a:spLocks noRot="1" noChangeArrowheads="1" noTextEdit="1"/>
+            <a:spLocks noGrp="1" noRot="1" noChangeAspect="1" noChangeArrowheads="1" noTextEdit="1"/>
           </p:cNvSpPr>
           <p:nvPr>
             <p:ph type="sldImg"/>
@@ -3532,7 +3534,7 @@
         <p:nvSpPr>
           <p:cNvPr id="146435" name="Rectangle 2"/>
           <p:cNvSpPr>
-            <a:spLocks noRot="1" noChangeArrowheads="1" noTextEdit="1"/>
+            <a:spLocks noGrp="1" noRot="1" noChangeAspect="1" noChangeArrowheads="1" noTextEdit="1"/>
           </p:cNvSpPr>
           <p:nvPr>
             <p:ph type="sldImg"/>
@@ -3623,7 +3625,7 @@
         <p:nvSpPr>
           <p:cNvPr id="147459" name="Rectangle 2"/>
           <p:cNvSpPr>
-            <a:spLocks noRot="1" noChangeArrowheads="1" noTextEdit="1"/>
+            <a:spLocks noGrp="1" noRot="1" noChangeAspect="1" noChangeArrowheads="1" noTextEdit="1"/>
           </p:cNvSpPr>
           <p:nvPr>
             <p:ph type="sldImg"/>
@@ -3714,7 +3716,7 @@
         <p:nvSpPr>
           <p:cNvPr id="148483" name="Rectangle 2"/>
           <p:cNvSpPr>
-            <a:spLocks noRot="1" noChangeArrowheads="1" noTextEdit="1"/>
+            <a:spLocks noGrp="1" noRot="1" noChangeAspect="1" noChangeArrowheads="1" noTextEdit="1"/>
           </p:cNvSpPr>
           <p:nvPr>
             <p:ph type="sldImg"/>
@@ -3805,7 +3807,7 @@
         <p:nvSpPr>
           <p:cNvPr id="149507" name="Rectangle 2"/>
           <p:cNvSpPr>
-            <a:spLocks noRot="1" noChangeArrowheads="1" noTextEdit="1"/>
+            <a:spLocks noGrp="1" noRot="1" noChangeAspect="1" noChangeArrowheads="1" noTextEdit="1"/>
           </p:cNvSpPr>
           <p:nvPr>
             <p:ph type="sldImg"/>
@@ -3944,7 +3946,7 @@
         <p:nvSpPr>
           <p:cNvPr id="150531" name="Rectangle 2"/>
           <p:cNvSpPr>
-            <a:spLocks noRot="1" noChangeArrowheads="1" noTextEdit="1"/>
+            <a:spLocks noGrp="1" noRot="1" noChangeAspect="1" noChangeArrowheads="1" noTextEdit="1"/>
           </p:cNvSpPr>
           <p:nvPr>
             <p:ph type="sldImg"/>
@@ -4083,7 +4085,7 @@
         <p:nvSpPr>
           <p:cNvPr id="151555" name="Rectangle 2"/>
           <p:cNvSpPr>
-            <a:spLocks noRot="1" noChangeArrowheads="1" noTextEdit="1"/>
+            <a:spLocks noGrp="1" noRot="1" noChangeAspect="1" noChangeArrowheads="1" noTextEdit="1"/>
           </p:cNvSpPr>
           <p:nvPr>
             <p:ph type="sldImg"/>
@@ -4208,7 +4210,7 @@
         <p:nvSpPr>
           <p:cNvPr id="152579" name="Rectangle 2"/>
           <p:cNvSpPr>
-            <a:spLocks noRot="1" noChangeArrowheads="1" noTextEdit="1"/>
+            <a:spLocks noGrp="1" noRot="1" noChangeAspect="1" noChangeArrowheads="1" noTextEdit="1"/>
           </p:cNvSpPr>
           <p:nvPr>
             <p:ph type="sldImg"/>
@@ -4361,7 +4363,7 @@
         <p:nvSpPr>
           <p:cNvPr id="153603" name="Rectangle 2"/>
           <p:cNvSpPr>
-            <a:spLocks noRot="1" noChangeArrowheads="1" noTextEdit="1"/>
+            <a:spLocks noGrp="1" noRot="1" noChangeAspect="1" noChangeArrowheads="1" noTextEdit="1"/>
           </p:cNvSpPr>
           <p:nvPr>
             <p:ph type="sldImg"/>
@@ -4452,7 +4454,7 @@
         <p:nvSpPr>
           <p:cNvPr id="126979" name="Rectangle 2"/>
           <p:cNvSpPr>
-            <a:spLocks noRot="1" noChangeArrowheads="1" noTextEdit="1"/>
+            <a:spLocks noGrp="1" noRot="1" noChangeAspect="1" noChangeArrowheads="1" noTextEdit="1"/>
           </p:cNvSpPr>
           <p:nvPr>
             <p:ph type="sldImg"/>
@@ -4543,7 +4545,7 @@
         <p:nvSpPr>
           <p:cNvPr id="154627" name="Rectangle 2"/>
           <p:cNvSpPr>
-            <a:spLocks noRot="1" noChangeArrowheads="1" noTextEdit="1"/>
+            <a:spLocks noGrp="1" noRot="1" noChangeAspect="1" noChangeArrowheads="1" noTextEdit="1"/>
           </p:cNvSpPr>
           <p:nvPr>
             <p:ph type="sldImg"/>
@@ -4634,7 +4636,7 @@
         <p:nvSpPr>
           <p:cNvPr id="155651" name="Rectangle 2"/>
           <p:cNvSpPr>
-            <a:spLocks noRot="1" noChangeArrowheads="1" noTextEdit="1"/>
+            <a:spLocks noGrp="1" noRot="1" noChangeAspect="1" noChangeArrowheads="1" noTextEdit="1"/>
           </p:cNvSpPr>
           <p:nvPr>
             <p:ph type="sldImg"/>
@@ -4725,7 +4727,7 @@
         <p:nvSpPr>
           <p:cNvPr id="156675" name="Rectangle 2"/>
           <p:cNvSpPr>
-            <a:spLocks noRot="1" noChangeArrowheads="1" noTextEdit="1"/>
+            <a:spLocks noGrp="1" noRot="1" noChangeAspect="1" noChangeArrowheads="1" noTextEdit="1"/>
           </p:cNvSpPr>
           <p:nvPr>
             <p:ph type="sldImg"/>
@@ -4816,7 +4818,7 @@
         <p:nvSpPr>
           <p:cNvPr id="157699" name="Rectangle 2"/>
           <p:cNvSpPr>
-            <a:spLocks noRot="1" noChangeArrowheads="1" noTextEdit="1"/>
+            <a:spLocks noGrp="1" noRot="1" noChangeAspect="1" noChangeArrowheads="1" noTextEdit="1"/>
           </p:cNvSpPr>
           <p:nvPr>
             <p:ph type="sldImg"/>
@@ -4907,7 +4909,7 @@
         <p:nvSpPr>
           <p:cNvPr id="158723" name="Rectangle 2"/>
           <p:cNvSpPr>
-            <a:spLocks noRot="1" noChangeArrowheads="1" noTextEdit="1"/>
+            <a:spLocks noGrp="1" noRot="1" noChangeAspect="1" noChangeArrowheads="1" noTextEdit="1"/>
           </p:cNvSpPr>
           <p:nvPr>
             <p:ph type="sldImg"/>
@@ -4998,7 +5000,7 @@
         <p:nvSpPr>
           <p:cNvPr id="159747" name="Rectangle 2"/>
           <p:cNvSpPr>
-            <a:spLocks noRot="1" noChangeArrowheads="1" noTextEdit="1"/>
+            <a:spLocks noGrp="1" noRot="1" noChangeAspect="1" noChangeArrowheads="1" noTextEdit="1"/>
           </p:cNvSpPr>
           <p:nvPr>
             <p:ph type="sldImg"/>
@@ -5089,7 +5091,7 @@
         <p:nvSpPr>
           <p:cNvPr id="160771" name="Rectangle 2"/>
           <p:cNvSpPr>
-            <a:spLocks noRot="1" noChangeArrowheads="1" noTextEdit="1"/>
+            <a:spLocks noGrp="1" noRot="1" noChangeAspect="1" noChangeArrowheads="1" noTextEdit="1"/>
           </p:cNvSpPr>
           <p:nvPr>
             <p:ph type="sldImg"/>
@@ -5180,7 +5182,7 @@
         <p:nvSpPr>
           <p:cNvPr id="161795" name="Rectangle 2"/>
           <p:cNvSpPr>
-            <a:spLocks noRot="1" noChangeArrowheads="1" noTextEdit="1"/>
+            <a:spLocks noGrp="1" noRot="1" noChangeAspect="1" noChangeArrowheads="1" noTextEdit="1"/>
           </p:cNvSpPr>
           <p:nvPr>
             <p:ph type="sldImg"/>
@@ -5271,7 +5273,7 @@
         <p:nvSpPr>
           <p:cNvPr id="162819" name="Rectangle 2"/>
           <p:cNvSpPr>
-            <a:spLocks noRot="1" noChangeArrowheads="1" noTextEdit="1"/>
+            <a:spLocks noGrp="1" noRot="1" noChangeAspect="1" noChangeArrowheads="1" noTextEdit="1"/>
           </p:cNvSpPr>
           <p:nvPr>
             <p:ph type="sldImg"/>
@@ -5362,7 +5364,7 @@
         <p:nvSpPr>
           <p:cNvPr id="163843" name="Rectangle 2"/>
           <p:cNvSpPr>
-            <a:spLocks noRot="1" noChangeArrowheads="1" noTextEdit="1"/>
+            <a:spLocks noGrp="1" noRot="1" noChangeAspect="1" noChangeArrowheads="1" noTextEdit="1"/>
           </p:cNvSpPr>
           <p:nvPr>
             <p:ph type="sldImg"/>
@@ -5453,7 +5455,7 @@
         <p:nvSpPr>
           <p:cNvPr id="128003" name="Rectangle 2"/>
           <p:cNvSpPr>
-            <a:spLocks noRot="1" noChangeArrowheads="1" noTextEdit="1"/>
+            <a:spLocks noGrp="1" noRot="1" noChangeAspect="1" noChangeArrowheads="1" noTextEdit="1"/>
           </p:cNvSpPr>
           <p:nvPr>
             <p:ph type="sldImg"/>
@@ -5544,7 +5546,7 @@
         <p:nvSpPr>
           <p:cNvPr id="164867" name="Rectangle 2"/>
           <p:cNvSpPr>
-            <a:spLocks noRot="1" noChangeArrowheads="1" noTextEdit="1"/>
+            <a:spLocks noGrp="1" noRot="1" noChangeAspect="1" noChangeArrowheads="1" noTextEdit="1"/>
           </p:cNvSpPr>
           <p:nvPr>
             <p:ph type="sldImg"/>
@@ -5635,7 +5637,7 @@
         <p:nvSpPr>
           <p:cNvPr id="129027" name="Rectangle 2"/>
           <p:cNvSpPr>
-            <a:spLocks noRot="1" noChangeArrowheads="1" noTextEdit="1"/>
+            <a:spLocks noGrp="1" noRot="1" noChangeAspect="1" noChangeArrowheads="1" noTextEdit="1"/>
           </p:cNvSpPr>
           <p:nvPr>
             <p:ph type="sldImg"/>
@@ -5726,7 +5728,7 @@
         <p:nvSpPr>
           <p:cNvPr id="130051" name="Rectangle 2"/>
           <p:cNvSpPr>
-            <a:spLocks noRot="1" noChangeArrowheads="1" noTextEdit="1"/>
+            <a:spLocks noGrp="1" noRot="1" noChangeAspect="1" noChangeArrowheads="1" noTextEdit="1"/>
           </p:cNvSpPr>
           <p:nvPr>
             <p:ph type="sldImg"/>
@@ -5829,7 +5831,7 @@
         <p:nvSpPr>
           <p:cNvPr id="131075" name="Rectangle 2"/>
           <p:cNvSpPr>
-            <a:spLocks noRot="1" noChangeArrowheads="1" noTextEdit="1"/>
+            <a:spLocks noGrp="1" noRot="1" noChangeAspect="1" noChangeArrowheads="1" noTextEdit="1"/>
           </p:cNvSpPr>
           <p:nvPr>
             <p:ph type="sldImg"/>
@@ -5920,7 +5922,7 @@
         <p:nvSpPr>
           <p:cNvPr id="132099" name="Rectangle 2"/>
           <p:cNvSpPr>
-            <a:spLocks noRot="1" noChangeArrowheads="1" noTextEdit="1"/>
+            <a:spLocks noGrp="1" noRot="1" noChangeAspect="1" noChangeArrowheads="1" noTextEdit="1"/>
           </p:cNvSpPr>
           <p:nvPr>
             <p:ph type="sldImg"/>
@@ -6063,7 +6065,7 @@
         <p:nvSpPr>
           <p:cNvPr id="133123" name="Rectangle 2"/>
           <p:cNvSpPr>
-            <a:spLocks noRot="1" noChangeArrowheads="1" noTextEdit="1"/>
+            <a:spLocks noGrp="1" noRot="1" noChangeAspect="1" noChangeArrowheads="1" noTextEdit="1"/>
           </p:cNvSpPr>
           <p:nvPr>
             <p:ph type="sldImg"/>
@@ -6288,7 +6290,8 @@
           <a:p>
             <a:fld id="{0937333F-F6DA-4C6E-8BF3-95C23016F493}" type="datetimeFigureOut">
               <a:rPr lang="tr-TR" smtClean="0"/>
-              <a:t>04.02.2009</a:t>
+              <a:pPr/>
+              <a:t>05.02.2009</a:t>
             </a:fld>
             <a:endParaRPr lang="tr-TR"/>
           </a:p>
@@ -6330,6 +6333,7 @@
           <a:p>
             <a:fld id="{985E38CC-E0AF-4C87-8062-78A526733FB6}" type="slidenum">
               <a:rPr lang="tr-TR" smtClean="0"/>
+              <a:pPr/>
               <a:t>‹#›</a:t>
             </a:fld>
             <a:endParaRPr lang="tr-TR"/>
@@ -6453,7 +6457,8 @@
           <a:p>
             <a:fld id="{0937333F-F6DA-4C6E-8BF3-95C23016F493}" type="datetimeFigureOut">
               <a:rPr lang="tr-TR" smtClean="0"/>
-              <a:t>04.02.2009</a:t>
+              <a:pPr/>
+              <a:t>05.02.2009</a:t>
             </a:fld>
             <a:endParaRPr lang="tr-TR"/>
           </a:p>
@@ -6495,6 +6500,7 @@
           <a:p>
             <a:fld id="{985E38CC-E0AF-4C87-8062-78A526733FB6}" type="slidenum">
               <a:rPr lang="tr-TR" smtClean="0"/>
+              <a:pPr/>
               <a:t>‹#›</a:t>
             </a:fld>
             <a:endParaRPr lang="tr-TR"/>
@@ -6628,7 +6634,8 @@
           <a:p>
             <a:fld id="{0937333F-F6DA-4C6E-8BF3-95C23016F493}" type="datetimeFigureOut">
               <a:rPr lang="tr-TR" smtClean="0"/>
-              <a:t>04.02.2009</a:t>
+              <a:pPr/>
+              <a:t>05.02.2009</a:t>
             </a:fld>
             <a:endParaRPr lang="tr-TR"/>
           </a:p>
@@ -6670,6 +6677,7 @@
           <a:p>
             <a:fld id="{985E38CC-E0AF-4C87-8062-78A526733FB6}" type="slidenum">
               <a:rPr lang="tr-TR" smtClean="0"/>
+              <a:pPr/>
               <a:t>‹#›</a:t>
             </a:fld>
             <a:endParaRPr lang="tr-TR"/>
@@ -7051,7 +7059,8 @@
           <a:p>
             <a:fld id="{0937333F-F6DA-4C6E-8BF3-95C23016F493}" type="datetimeFigureOut">
               <a:rPr lang="tr-TR" smtClean="0"/>
-              <a:t>04.02.2009</a:t>
+              <a:pPr/>
+              <a:t>05.02.2009</a:t>
             </a:fld>
             <a:endParaRPr lang="tr-TR"/>
           </a:p>
@@ -7093,6 +7102,7 @@
           <a:p>
             <a:fld id="{985E38CC-E0AF-4C87-8062-78A526733FB6}" type="slidenum">
               <a:rPr lang="tr-TR" smtClean="0"/>
+              <a:pPr/>
               <a:t>‹#›</a:t>
             </a:fld>
             <a:endParaRPr lang="tr-TR"/>
@@ -7292,7 +7302,8 @@
           <a:p>
             <a:fld id="{0937333F-F6DA-4C6E-8BF3-95C23016F493}" type="datetimeFigureOut">
               <a:rPr lang="tr-TR" smtClean="0"/>
-              <a:t>04.02.2009</a:t>
+              <a:pPr/>
+              <a:t>05.02.2009</a:t>
             </a:fld>
             <a:endParaRPr lang="tr-TR"/>
           </a:p>
@@ -7334,6 +7345,7 @@
           <a:p>
             <a:fld id="{985E38CC-E0AF-4C87-8062-78A526733FB6}" type="slidenum">
               <a:rPr lang="tr-TR" smtClean="0"/>
+              <a:pPr/>
               <a:t>‹#›</a:t>
             </a:fld>
             <a:endParaRPr lang="tr-TR"/>
@@ -7575,7 +7587,8 @@
           <a:p>
             <a:fld id="{0937333F-F6DA-4C6E-8BF3-95C23016F493}" type="datetimeFigureOut">
               <a:rPr lang="tr-TR" smtClean="0"/>
-              <a:t>04.02.2009</a:t>
+              <a:pPr/>
+              <a:t>05.02.2009</a:t>
             </a:fld>
             <a:endParaRPr lang="tr-TR"/>
           </a:p>
@@ -7617,6 +7630,7 @@
           <a:p>
             <a:fld id="{985E38CC-E0AF-4C87-8062-78A526733FB6}" type="slidenum">
               <a:rPr lang="tr-TR" smtClean="0"/>
+              <a:pPr/>
               <a:t>‹#›</a:t>
             </a:fld>
             <a:endParaRPr lang="tr-TR"/>
@@ -7992,7 +8006,8 @@
           <a:p>
             <a:fld id="{0937333F-F6DA-4C6E-8BF3-95C23016F493}" type="datetimeFigureOut">
               <a:rPr lang="tr-TR" smtClean="0"/>
-              <a:t>04.02.2009</a:t>
+              <a:pPr/>
+              <a:t>05.02.2009</a:t>
             </a:fld>
             <a:endParaRPr lang="tr-TR"/>
           </a:p>
@@ -8034,6 +8049,7 @@
           <a:p>
             <a:fld id="{985E38CC-E0AF-4C87-8062-78A526733FB6}" type="slidenum">
               <a:rPr lang="tr-TR" smtClean="0"/>
+              <a:pPr/>
               <a:t>‹#›</a:t>
             </a:fld>
             <a:endParaRPr lang="tr-TR"/>
@@ -8105,7 +8121,8 @@
           <a:p>
             <a:fld id="{0937333F-F6DA-4C6E-8BF3-95C23016F493}" type="datetimeFigureOut">
               <a:rPr lang="tr-TR" smtClean="0"/>
-              <a:t>04.02.2009</a:t>
+              <a:pPr/>
+              <a:t>05.02.2009</a:t>
             </a:fld>
             <a:endParaRPr lang="tr-TR"/>
           </a:p>
@@ -8147,6 +8164,7 @@
           <a:p>
             <a:fld id="{985E38CC-E0AF-4C87-8062-78A526733FB6}" type="slidenum">
               <a:rPr lang="tr-TR" smtClean="0"/>
+              <a:pPr/>
               <a:t>‹#›</a:t>
             </a:fld>
             <a:endParaRPr lang="tr-TR"/>
@@ -8195,7 +8213,8 @@
           <a:p>
             <a:fld id="{0937333F-F6DA-4C6E-8BF3-95C23016F493}" type="datetimeFigureOut">
               <a:rPr lang="tr-TR" smtClean="0"/>
-              <a:t>04.02.2009</a:t>
+              <a:pPr/>
+              <a:t>05.02.2009</a:t>
             </a:fld>
             <a:endParaRPr lang="tr-TR"/>
           </a:p>
@@ -8237,6 +8256,7 @@
           <a:p>
             <a:fld id="{985E38CC-E0AF-4C87-8062-78A526733FB6}" type="slidenum">
               <a:rPr lang="tr-TR" smtClean="0"/>
+              <a:pPr/>
               <a:t>‹#›</a:t>
             </a:fld>
             <a:endParaRPr lang="tr-TR"/>
@@ -8467,7 +8487,8 @@
           <a:p>
             <a:fld id="{0937333F-F6DA-4C6E-8BF3-95C23016F493}" type="datetimeFigureOut">
               <a:rPr lang="tr-TR" smtClean="0"/>
-              <a:t>04.02.2009</a:t>
+              <a:pPr/>
+              <a:t>05.02.2009</a:t>
             </a:fld>
             <a:endParaRPr lang="tr-TR"/>
           </a:p>
@@ -8509,6 +8530,7 @@
           <a:p>
             <a:fld id="{985E38CC-E0AF-4C87-8062-78A526733FB6}" type="slidenum">
               <a:rPr lang="tr-TR" smtClean="0"/>
+              <a:pPr/>
               <a:t>‹#›</a:t>
             </a:fld>
             <a:endParaRPr lang="tr-TR"/>
@@ -8715,7 +8737,8 @@
           <a:p>
             <a:fld id="{0937333F-F6DA-4C6E-8BF3-95C23016F493}" type="datetimeFigureOut">
               <a:rPr lang="tr-TR" smtClean="0"/>
-              <a:t>04.02.2009</a:t>
+              <a:pPr/>
+              <a:t>05.02.2009</a:t>
             </a:fld>
             <a:endParaRPr lang="tr-TR"/>
           </a:p>
@@ -8757,6 +8780,7 @@
           <a:p>
             <a:fld id="{985E38CC-E0AF-4C87-8062-78A526733FB6}" type="slidenum">
               <a:rPr lang="tr-TR" smtClean="0"/>
+              <a:pPr/>
               <a:t>‹#›</a:t>
             </a:fld>
             <a:endParaRPr lang="tr-TR"/>
@@ -8923,7 +8947,8 @@
           <a:p>
             <a:fld id="{0937333F-F6DA-4C6E-8BF3-95C23016F493}" type="datetimeFigureOut">
               <a:rPr lang="tr-TR" smtClean="0"/>
-              <a:t>04.02.2009</a:t>
+              <a:pPr/>
+              <a:t>05.02.2009</a:t>
             </a:fld>
             <a:endParaRPr lang="tr-TR"/>
           </a:p>
@@ -9001,6 +9026,7 @@
           <a:p>
             <a:fld id="{985E38CC-E0AF-4C87-8062-78A526733FB6}" type="slidenum">
               <a:rPr lang="tr-TR" smtClean="0"/>
+              <a:pPr/>
               <a:t>‹#›</a:t>
             </a:fld>
             <a:endParaRPr lang="tr-TR"/>
@@ -9314,7 +9340,6 @@
               <a:rPr lang="tr-TR" sz="4000" dirty="0" smtClean="0"/>
               <a:t>Ontologies</a:t>
             </a:r>
-            <a:endParaRPr lang="tr-TR" sz="4000" dirty="0" smtClean="0"/>
           </a:p>
         </p:txBody>
       </p:sp>
@@ -16086,7 +16111,7 @@
         <p:nvSpPr>
           <p:cNvPr id="49155" name="Rectangle 3" descr="Rectangle: Click to edit Master text styles&#10;Second level&#10;Third level&#10;Fourth level&#10;Fifth level"/>
           <p:cNvSpPr>
-            <a:spLocks noChangeArrowheads="1"/>
+            <a:spLocks noGrp="1" noChangeArrowheads="1"/>
           </p:cNvSpPr>
           <p:nvPr>
             <p:ph type="body" idx="1"/>
@@ -16491,7 +16516,7 @@
         <p:nvSpPr>
           <p:cNvPr id="50179" name="Rectangle 3" descr="Rectangle: Click to edit Master text styles&#10;Second level&#10;Third level&#10;Fourth level&#10;Fifth level"/>
           <p:cNvSpPr>
-            <a:spLocks noChangeArrowheads="1"/>
+            <a:spLocks noGrp="1" noChangeArrowheads="1"/>
           </p:cNvSpPr>
           <p:nvPr>
             <p:ph type="body" idx="1"/>
@@ -23652,7 +23677,7 @@
         <p:nvPicPr>
           <p:cNvPr id="61443" name="Picture 3" descr="figure"/>
           <p:cNvPicPr>
-            <a:picLocks noChangeAspect="1" noChangeArrowheads="1"/>
+            <a:picLocks noGrp="1" noChangeAspect="1" noChangeArrowheads="1"/>
           </p:cNvPicPr>
           <p:nvPr>
             <p:ph sz="half" idx="2"/>
@@ -24400,7 +24425,7 @@
         <p:nvPicPr>
           <p:cNvPr id="64514" name="Picture 2"/>
           <p:cNvPicPr>
-            <a:picLocks noChangeAspect="1" noChangeArrowheads="1"/>
+            <a:picLocks noGrp="1" noChangeAspect="1" noChangeArrowheads="1"/>
           </p:cNvPicPr>
           <p:nvPr>
             <p:ph idx="1"/>
@@ -24630,7 +24655,7 @@
         <p:nvPicPr>
           <p:cNvPr id="65539" name="Picture 3"/>
           <p:cNvPicPr>
-            <a:picLocks noChangeAspect="1" noChangeArrowheads="1"/>
+            <a:picLocks noGrp="1" noChangeAspect="1" noChangeArrowheads="1"/>
           </p:cNvPicPr>
           <p:nvPr>
             <p:ph idx="1"/>
@@ -25067,7 +25092,7 @@
         <p:nvPicPr>
           <p:cNvPr id="68610" name="Picture 2"/>
           <p:cNvPicPr>
-            <a:picLocks noChangeAspect="1" noChangeArrowheads="1"/>
+            <a:picLocks noGrp="1" noChangeAspect="1" noChangeArrowheads="1"/>
           </p:cNvPicPr>
           <p:nvPr>
             <p:ph idx="1"/>
@@ -25104,7 +25129,9 @@
           </a:xfrm>
         </p:spPr>
         <p:txBody>
-          <a:bodyPr/>
+          <a:bodyPr>
+            <a:normAutofit fontScale="90000"/>
+          </a:bodyPr>
           <a:lstStyle/>
           <a:p>
             <a:pPr eaLnBrk="1" hangingPunct="1"/>
@@ -25341,7 +25368,7 @@
         <p:nvPicPr>
           <p:cNvPr id="69634" name="Picture 2"/>
           <p:cNvPicPr>
-            <a:picLocks noChangeAspect="1" noChangeArrowheads="1"/>
+            <a:picLocks noGrp="1" noChangeAspect="1" noChangeArrowheads="1"/>
           </p:cNvPicPr>
           <p:nvPr>
             <p:ph idx="1"/>
@@ -25379,7 +25406,9 @@
           </a:xfrm>
         </p:spPr>
         <p:txBody>
-          <a:bodyPr/>
+          <a:bodyPr>
+            <a:normAutofit fontScale="90000"/>
+          </a:bodyPr>
           <a:lstStyle/>
           <a:p>
             <a:pPr eaLnBrk="1" hangingPunct="1"/>
@@ -25481,7 +25510,9 @@
           </a:xfrm>
         </p:spPr>
         <p:txBody>
-          <a:bodyPr/>
+          <a:bodyPr>
+            <a:normAutofit fontScale="90000"/>
+          </a:bodyPr>
           <a:lstStyle/>
           <a:p>
             <a:pPr eaLnBrk="1" hangingPunct="1"/>
@@ -25647,9 +25678,14 @@
           <a:p>
             <a:pPr eaLnBrk="1" hangingPunct="1"/>
             <a:r>
-              <a:rPr lang="tr-TR" smtClean="0"/>
-              <a:t>Next: Lab1 - OWL in Protege...</a:t>
-            </a:r>
+              <a:rPr lang="tr-TR" dirty="0" smtClean="0"/>
+              <a:t>Next: Lab1 </a:t>
+            </a:r>
+            <a:r>
+              <a:rPr lang="tr-TR" dirty="0" smtClean="0"/>
+              <a:t>– Ontology Building in Action...</a:t>
+            </a:r>
+            <a:endParaRPr lang="tr-TR" dirty="0" smtClean="0"/>
           </a:p>
         </p:txBody>
       </p:sp>
